--- a/content/workshop/1.pptx
+++ b/content/workshop/1.pptx
@@ -104,6 +104,11 @@
       </a:defRPr>
     </a:lvl9pPr>
   </p:defaultTextStyle>
+  <p:extLst>
+    <p:ext uri="{EFAFB233-063F-42B5-8137-9DF3F51BA10A}">
+      <p15:sldGuideLst xmlns:p15="http://schemas.microsoft.com/office/powerpoint/2012/main"/>
+    </p:ext>
+  </p:extLst>
 </p:presentation>
 </file>
 
@@ -3323,10 +3328,10 @@
       </p:grpSpPr>
       <p:pic>
         <p:nvPicPr>
-          <p:cNvPr id="5" name="图片 4" descr="文本&#10;&#10;描述已自动生成">
-            <a:extLst>
-              <a:ext uri="{FF2B5EF4-FFF2-40B4-BE49-F238E27FC236}">
-                <a16:creationId xmlns:a16="http://schemas.microsoft.com/office/drawing/2014/main" id="{C39AFDCA-51BB-5B8A-2195-374781DDF6B0}"/>
+          <p:cNvPr id="7" name="图片 6" descr="图片包含 图表&#10;&#10;描述已自动生成">
+            <a:extLst>
+              <a:ext uri="{FF2B5EF4-FFF2-40B4-BE49-F238E27FC236}">
+                <a16:creationId xmlns:a16="http://schemas.microsoft.com/office/drawing/2014/main" id="{ECE1D94A-3696-F57F-C486-DE4929CB1EA4}"/>
               </a:ext>
             </a:extLst>
           </p:cNvPr>
@@ -3349,43 +3354,7 @@
         </p:blipFill>
         <p:spPr>
           <a:xfrm>
-            <a:off x="1406096" y="1831770"/>
-            <a:ext cx="3024916" cy="685520"/>
-          </a:xfrm>
-          <a:prstGeom prst="rect">
-            <a:avLst/>
-          </a:prstGeom>
-        </p:spPr>
-      </p:pic>
-      <p:pic>
-        <p:nvPicPr>
-          <p:cNvPr id="7" name="图片 6" descr="图片包含 图表&#10;&#10;描述已自动生成">
-            <a:extLst>
-              <a:ext uri="{FF2B5EF4-FFF2-40B4-BE49-F238E27FC236}">
-                <a16:creationId xmlns:a16="http://schemas.microsoft.com/office/drawing/2014/main" id="{ECE1D94A-3696-F57F-C486-DE4929CB1EA4}"/>
-              </a:ext>
-            </a:extLst>
-          </p:cNvPr>
-          <p:cNvPicPr>
-            <a:picLocks noChangeAspect="1"/>
-          </p:cNvPicPr>
-          <p:nvPr/>
-        </p:nvPicPr>
-        <p:blipFill>
-          <a:blip r:embed="rId3">
-            <a:extLst>
-              <a:ext uri="{28A0092B-C50C-407E-A947-70E740481C1C}">
-                <a14:useLocalDpi xmlns:a14="http://schemas.microsoft.com/office/drawing/2010/main" val="0"/>
-              </a:ext>
-            </a:extLst>
-          </a:blip>
-          <a:stretch>
-            <a:fillRect/>
-          </a:stretch>
-        </p:blipFill>
-        <p:spPr>
-          <a:xfrm>
-            <a:off x="5253151" y="1770809"/>
+            <a:off x="9396905" y="1785696"/>
             <a:ext cx="1441857" cy="807441"/>
           </a:xfrm>
           <a:prstGeom prst="rect">
@@ -3408,7 +3377,7 @@
           <p:nvPr/>
         </p:nvPicPr>
         <p:blipFill>
-          <a:blip r:embed="rId4">
+          <a:blip r:embed="rId3">
             <a:extLst>
               <a:ext uri="{28A0092B-C50C-407E-A947-70E740481C1C}">
                 <a14:useLocalDpi xmlns:a14="http://schemas.microsoft.com/office/drawing/2010/main" val="0"/>
@@ -3421,7 +3390,7 @@
         </p:blipFill>
         <p:spPr>
           <a:xfrm>
-            <a:off x="7221369" y="1583979"/>
+            <a:off x="6627821" y="1642837"/>
             <a:ext cx="2540000" cy="1181100"/>
           </a:xfrm>
           <a:prstGeom prst="rect">
@@ -3431,10 +3400,10 @@
       </p:pic>
       <p:pic>
         <p:nvPicPr>
-          <p:cNvPr id="12" name="图片 11" descr="文本&#10;&#10;描述已自动生成">
-            <a:extLst>
-              <a:ext uri="{FF2B5EF4-FFF2-40B4-BE49-F238E27FC236}">
-                <a16:creationId xmlns:a16="http://schemas.microsoft.com/office/drawing/2014/main" id="{BE4E8C0D-C50F-9D6F-A697-0CD4F4B00708}"/>
+          <p:cNvPr id="11" name="图片 10" descr="卡通画&#10;&#10;低可信度描述已自动生成">
+            <a:extLst>
+              <a:ext uri="{FF2B5EF4-FFF2-40B4-BE49-F238E27FC236}">
+                <a16:creationId xmlns:a16="http://schemas.microsoft.com/office/drawing/2014/main" id="{A5729F7F-504B-45D4-A726-DC8B0E2E50B6}"/>
               </a:ext>
             </a:extLst>
           </p:cNvPr>
@@ -3444,7 +3413,7 @@
           <p:nvPr/>
         </p:nvPicPr>
         <p:blipFill>
-          <a:blip r:embed="rId2">
+          <a:blip r:embed="rId4">
             <a:extLst>
               <a:ext uri="{28A0092B-C50C-407E-A947-70E740481C1C}">
                 <a14:useLocalDpi xmlns:a14="http://schemas.microsoft.com/office/drawing/2010/main" val="0"/>
@@ -3457,8 +3426,8 @@
         </p:blipFill>
         <p:spPr>
           <a:xfrm>
-            <a:off x="1436576" y="3975530"/>
-            <a:ext cx="3024916" cy="685520"/>
+            <a:off x="5457978" y="1642837"/>
+            <a:ext cx="1093161" cy="1093161"/>
           </a:xfrm>
           <a:prstGeom prst="rect">
             <a:avLst/>
@@ -3467,51 +3436,15 @@
       </p:pic>
       <p:pic>
         <p:nvPicPr>
-          <p:cNvPr id="13" name="图片 12" descr="图片包含 图表&#10;&#10;描述已自动生成">
-            <a:extLst>
-              <a:ext uri="{FF2B5EF4-FFF2-40B4-BE49-F238E27FC236}">
-                <a16:creationId xmlns:a16="http://schemas.microsoft.com/office/drawing/2014/main" id="{4C86B8C5-4F74-406F-5B35-21C7601A52D8}"/>
+          <p:cNvPr id="8" name="Picture 2" descr="The Hong Kong Polytechnic University (PolyU)">
+            <a:extLst>
+              <a:ext uri="{FF2B5EF4-FFF2-40B4-BE49-F238E27FC236}">
+                <a16:creationId xmlns:a16="http://schemas.microsoft.com/office/drawing/2014/main" id="{8C71262E-A6D6-B510-82AF-A91C08A06D74}"/>
               </a:ext>
             </a:extLst>
           </p:cNvPr>
           <p:cNvPicPr>
-            <a:picLocks noChangeAspect="1"/>
-          </p:cNvPicPr>
-          <p:nvPr/>
-        </p:nvPicPr>
-        <p:blipFill>
-          <a:blip r:embed="rId3">
-            <a:extLst>
-              <a:ext uri="{28A0092B-C50C-407E-A947-70E740481C1C}">
-                <a14:useLocalDpi xmlns:a14="http://schemas.microsoft.com/office/drawing/2010/main" val="0"/>
-              </a:ext>
-            </a:extLst>
-          </a:blip>
-          <a:stretch>
-            <a:fillRect/>
-          </a:stretch>
-        </p:blipFill>
-        <p:spPr>
-          <a:xfrm>
-            <a:off x="5283631" y="3914569"/>
-            <a:ext cx="1441857" cy="807441"/>
-          </a:xfrm>
-          <a:prstGeom prst="rect">
-            <a:avLst/>
-          </a:prstGeom>
-        </p:spPr>
-      </p:pic>
-      <p:pic>
-        <p:nvPicPr>
-          <p:cNvPr id="11" name="图片 10" descr="卡通画&#10;&#10;低可信度描述已自动生成">
-            <a:extLst>
-              <a:ext uri="{FF2B5EF4-FFF2-40B4-BE49-F238E27FC236}">
-                <a16:creationId xmlns:a16="http://schemas.microsoft.com/office/drawing/2014/main" id="{A5729F7F-504B-45D4-A726-DC8B0E2E50B6}"/>
-              </a:ext>
-            </a:extLst>
-          </p:cNvPr>
-          <p:cNvPicPr>
-            <a:picLocks noChangeAspect="1"/>
+            <a:picLocks noChangeAspect="1" noChangeArrowheads="1"/>
           </p:cNvPicPr>
           <p:nvPr/>
         </p:nvPicPr>
@@ -3523,18 +3456,29 @@
               </a:ext>
             </a:extLst>
           </a:blip>
+          <a:srcRect/>
           <a:stretch>
             <a:fillRect/>
           </a:stretch>
         </p:blipFill>
-        <p:spPr>
+        <p:spPr bwMode="auto">
           <a:xfrm>
-            <a:off x="7904251" y="3733800"/>
-            <a:ext cx="1325563" cy="1325563"/>
+            <a:off x="3593842" y="1719489"/>
+            <a:ext cx="1787454" cy="939854"/>
           </a:xfrm>
           <a:prstGeom prst="rect">
             <a:avLst/>
           </a:prstGeom>
+          <a:noFill/>
+          <a:extLst>
+            <a:ext uri="{909E8E84-426E-40DD-AFC4-6F175D3DCCD1}">
+              <a14:hiddenFill xmlns:a14="http://schemas.microsoft.com/office/drawing/2010/main">
+                <a:solidFill>
+                  <a:srgbClr val="FFFFFF"/>
+                </a:solidFill>
+              </a14:hiddenFill>
+            </a:ext>
+          </a:extLst>
         </p:spPr>
       </p:pic>
     </p:spTree>

--- a/content/workshop/1.pptx
+++ b/content/workshop/1.pptx
@@ -259,7 +259,7 @@
           <a:p>
             <a:fld id="{B7241B6B-3486-4DE4-8F2D-6AAC6E93302E}" type="datetimeFigureOut">
               <a:rPr lang="zh-CN" altLang="en-US" smtClean="0"/>
-              <a:t>2022/5/23</a:t>
+              <a:t>2022/5/26</a:t>
             </a:fld>
             <a:endParaRPr lang="zh-CN" altLang="en-US"/>
           </a:p>
@@ -457,7 +457,7 @@
           <a:p>
             <a:fld id="{B7241B6B-3486-4DE4-8F2D-6AAC6E93302E}" type="datetimeFigureOut">
               <a:rPr lang="zh-CN" altLang="en-US" smtClean="0"/>
-              <a:t>2022/5/23</a:t>
+              <a:t>2022/5/26</a:t>
             </a:fld>
             <a:endParaRPr lang="zh-CN" altLang="en-US"/>
           </a:p>
@@ -665,7 +665,7 @@
           <a:p>
             <a:fld id="{B7241B6B-3486-4DE4-8F2D-6AAC6E93302E}" type="datetimeFigureOut">
               <a:rPr lang="zh-CN" altLang="en-US" smtClean="0"/>
-              <a:t>2022/5/23</a:t>
+              <a:t>2022/5/26</a:t>
             </a:fld>
             <a:endParaRPr lang="zh-CN" altLang="en-US"/>
           </a:p>
@@ -863,7 +863,7 @@
           <a:p>
             <a:fld id="{B7241B6B-3486-4DE4-8F2D-6AAC6E93302E}" type="datetimeFigureOut">
               <a:rPr lang="zh-CN" altLang="en-US" smtClean="0"/>
-              <a:t>2022/5/23</a:t>
+              <a:t>2022/5/26</a:t>
             </a:fld>
             <a:endParaRPr lang="zh-CN" altLang="en-US"/>
           </a:p>
@@ -1138,7 +1138,7 @@
           <a:p>
             <a:fld id="{B7241B6B-3486-4DE4-8F2D-6AAC6E93302E}" type="datetimeFigureOut">
               <a:rPr lang="zh-CN" altLang="en-US" smtClean="0"/>
-              <a:t>2022/5/23</a:t>
+              <a:t>2022/5/26</a:t>
             </a:fld>
             <a:endParaRPr lang="zh-CN" altLang="en-US"/>
           </a:p>
@@ -1403,7 +1403,7 @@
           <a:p>
             <a:fld id="{B7241B6B-3486-4DE4-8F2D-6AAC6E93302E}" type="datetimeFigureOut">
               <a:rPr lang="zh-CN" altLang="en-US" smtClean="0"/>
-              <a:t>2022/5/23</a:t>
+              <a:t>2022/5/26</a:t>
             </a:fld>
             <a:endParaRPr lang="zh-CN" altLang="en-US"/>
           </a:p>
@@ -1815,7 +1815,7 @@
           <a:p>
             <a:fld id="{B7241B6B-3486-4DE4-8F2D-6AAC6E93302E}" type="datetimeFigureOut">
               <a:rPr lang="zh-CN" altLang="en-US" smtClean="0"/>
-              <a:t>2022/5/23</a:t>
+              <a:t>2022/5/26</a:t>
             </a:fld>
             <a:endParaRPr lang="zh-CN" altLang="en-US"/>
           </a:p>
@@ -1956,7 +1956,7 @@
           <a:p>
             <a:fld id="{B7241B6B-3486-4DE4-8F2D-6AAC6E93302E}" type="datetimeFigureOut">
               <a:rPr lang="zh-CN" altLang="en-US" smtClean="0"/>
-              <a:t>2022/5/23</a:t>
+              <a:t>2022/5/26</a:t>
             </a:fld>
             <a:endParaRPr lang="zh-CN" altLang="en-US"/>
           </a:p>
@@ -2069,7 +2069,7 @@
           <a:p>
             <a:fld id="{B7241B6B-3486-4DE4-8F2D-6AAC6E93302E}" type="datetimeFigureOut">
               <a:rPr lang="zh-CN" altLang="en-US" smtClean="0"/>
-              <a:t>2022/5/23</a:t>
+              <a:t>2022/5/26</a:t>
             </a:fld>
             <a:endParaRPr lang="zh-CN" altLang="en-US"/>
           </a:p>
@@ -2380,7 +2380,7 @@
           <a:p>
             <a:fld id="{B7241B6B-3486-4DE4-8F2D-6AAC6E93302E}" type="datetimeFigureOut">
               <a:rPr lang="zh-CN" altLang="en-US" smtClean="0"/>
-              <a:t>2022/5/23</a:t>
+              <a:t>2022/5/26</a:t>
             </a:fld>
             <a:endParaRPr lang="zh-CN" altLang="en-US"/>
           </a:p>
@@ -2668,7 +2668,7 @@
           <a:p>
             <a:fld id="{B7241B6B-3486-4DE4-8F2D-6AAC6E93302E}" type="datetimeFigureOut">
               <a:rPr lang="zh-CN" altLang="en-US" smtClean="0"/>
-              <a:t>2022/5/23</a:t>
+              <a:t>2022/5/26</a:t>
             </a:fld>
             <a:endParaRPr lang="zh-CN" altLang="en-US"/>
           </a:p>
@@ -2909,7 +2909,7 @@
           <a:p>
             <a:fld id="{B7241B6B-3486-4DE4-8F2D-6AAC6E93302E}" type="datetimeFigureOut">
               <a:rPr lang="zh-CN" altLang="en-US" smtClean="0"/>
-              <a:t>2022/5/23</a:t>
+              <a:t>2022/5/26</a:t>
             </a:fld>
             <a:endParaRPr lang="zh-CN" altLang="en-US"/>
           </a:p>
@@ -3328,10 +3328,10 @@
       </p:grpSpPr>
       <p:pic>
         <p:nvPicPr>
-          <p:cNvPr id="7" name="图片 6" descr="图片包含 图表&#10;&#10;描述已自动生成">
-            <a:extLst>
-              <a:ext uri="{FF2B5EF4-FFF2-40B4-BE49-F238E27FC236}">
-                <a16:creationId xmlns:a16="http://schemas.microsoft.com/office/drawing/2014/main" id="{ECE1D94A-3696-F57F-C486-DE4929CB1EA4}"/>
+          <p:cNvPr id="9" name="图片 8">
+            <a:extLst>
+              <a:ext uri="{FF2B5EF4-FFF2-40B4-BE49-F238E27FC236}">
+                <a16:creationId xmlns:a16="http://schemas.microsoft.com/office/drawing/2014/main" id="{E83DC0AE-BD31-E53A-E309-EF86F9AF6ADC}"/>
               </a:ext>
             </a:extLst>
           </p:cNvPr>
@@ -3354,43 +3354,7 @@
         </p:blipFill>
         <p:spPr>
           <a:xfrm>
-            <a:off x="9396905" y="1785696"/>
-            <a:ext cx="1441857" cy="807441"/>
-          </a:xfrm>
-          <a:prstGeom prst="rect">
-            <a:avLst/>
-          </a:prstGeom>
-        </p:spPr>
-      </p:pic>
-      <p:pic>
-        <p:nvPicPr>
-          <p:cNvPr id="9" name="图片 8">
-            <a:extLst>
-              <a:ext uri="{FF2B5EF4-FFF2-40B4-BE49-F238E27FC236}">
-                <a16:creationId xmlns:a16="http://schemas.microsoft.com/office/drawing/2014/main" id="{E83DC0AE-BD31-E53A-E309-EF86F9AF6ADC}"/>
-              </a:ext>
-            </a:extLst>
-          </p:cNvPr>
-          <p:cNvPicPr>
-            <a:picLocks noChangeAspect="1"/>
-          </p:cNvPicPr>
-          <p:nvPr/>
-        </p:nvPicPr>
-        <p:blipFill>
-          <a:blip r:embed="rId3">
-            <a:extLst>
-              <a:ext uri="{28A0092B-C50C-407E-A947-70E740481C1C}">
-                <a14:useLocalDpi xmlns:a14="http://schemas.microsoft.com/office/drawing/2010/main" val="0"/>
-              </a:ext>
-            </a:extLst>
-          </a:blip>
-          <a:stretch>
-            <a:fillRect/>
-          </a:stretch>
-        </p:blipFill>
-        <p:spPr>
-          <a:xfrm>
-            <a:off x="6627821" y="1642837"/>
+            <a:off x="2665421" y="1613809"/>
             <a:ext cx="2540000" cy="1181100"/>
           </a:xfrm>
           <a:prstGeom prst="rect">
@@ -3413,7 +3377,7 @@
           <p:nvPr/>
         </p:nvPicPr>
         <p:blipFill>
-          <a:blip r:embed="rId4">
+          <a:blip r:embed="rId3">
             <a:extLst>
               <a:ext uri="{28A0092B-C50C-407E-A947-70E740481C1C}">
                 <a14:useLocalDpi xmlns:a14="http://schemas.microsoft.com/office/drawing/2010/main" val="0"/>
@@ -3426,7 +3390,7 @@
         </p:blipFill>
         <p:spPr>
           <a:xfrm>
-            <a:off x="5457978" y="1642837"/>
+            <a:off x="1797315" y="1657779"/>
             <a:ext cx="1093161" cy="1093161"/>
           </a:xfrm>
           <a:prstGeom prst="rect">
@@ -3449,7 +3413,7 @@
           <p:nvPr/>
         </p:nvPicPr>
         <p:blipFill>
-          <a:blip r:embed="rId5">
+          <a:blip r:embed="rId4">
             <a:extLst>
               <a:ext uri="{28A0092B-C50C-407E-A947-70E740481C1C}">
                 <a14:useLocalDpi xmlns:a14="http://schemas.microsoft.com/office/drawing/2010/main" val="0"/>
@@ -3463,7 +3427,7 @@
         </p:blipFill>
         <p:spPr bwMode="auto">
           <a:xfrm>
-            <a:off x="3593842" y="1719489"/>
+            <a:off x="124501" y="1719489"/>
             <a:ext cx="1787454" cy="939854"/>
           </a:xfrm>
           <a:prstGeom prst="rect">
@@ -3479,6 +3443,114 @@
               </a14:hiddenFill>
             </a:ext>
           </a:extLst>
+        </p:spPr>
+      </p:pic>
+      <p:pic>
+        <p:nvPicPr>
+          <p:cNvPr id="3" name="图片 2" descr="卡通人物&#10;&#10;描述已自动生成">
+            <a:extLst>
+              <a:ext uri="{FF2B5EF4-FFF2-40B4-BE49-F238E27FC236}">
+                <a16:creationId xmlns:a16="http://schemas.microsoft.com/office/drawing/2014/main" id="{0C50E5C5-1C51-F362-C8B8-89079F9598E6}"/>
+              </a:ext>
+            </a:extLst>
+          </p:cNvPr>
+          <p:cNvPicPr>
+            <a:picLocks noChangeAspect="1"/>
+          </p:cNvPicPr>
+          <p:nvPr/>
+        </p:nvPicPr>
+        <p:blipFill>
+          <a:blip r:embed="rId5">
+            <a:extLst>
+              <a:ext uri="{28A0092B-C50C-407E-A947-70E740481C1C}">
+                <a14:useLocalDpi xmlns:a14="http://schemas.microsoft.com/office/drawing/2010/main" val="0"/>
+              </a:ext>
+            </a:extLst>
+          </a:blip>
+          <a:stretch>
+            <a:fillRect/>
+          </a:stretch>
+        </p:blipFill>
+        <p:spPr>
+          <a:xfrm>
+            <a:off x="6734562" y="1987959"/>
+            <a:ext cx="2289190" cy="432800"/>
+          </a:xfrm>
+          <a:prstGeom prst="rect">
+            <a:avLst/>
+          </a:prstGeom>
+        </p:spPr>
+      </p:pic>
+      <p:pic>
+        <p:nvPicPr>
+          <p:cNvPr id="7" name="图片 6" descr="图片包含 图表&#10;&#10;描述已自动生成">
+            <a:extLst>
+              <a:ext uri="{FF2B5EF4-FFF2-40B4-BE49-F238E27FC236}">
+                <a16:creationId xmlns:a16="http://schemas.microsoft.com/office/drawing/2014/main" id="{ECE1D94A-3696-F57F-C486-DE4929CB1EA4}"/>
+              </a:ext>
+            </a:extLst>
+          </p:cNvPr>
+          <p:cNvPicPr>
+            <a:picLocks noChangeAspect="1"/>
+          </p:cNvPicPr>
+          <p:nvPr/>
+        </p:nvPicPr>
+        <p:blipFill>
+          <a:blip r:embed="rId6">
+            <a:extLst>
+              <a:ext uri="{28A0092B-C50C-407E-A947-70E740481C1C}">
+                <a14:useLocalDpi xmlns:a14="http://schemas.microsoft.com/office/drawing/2010/main" val="0"/>
+              </a:ext>
+            </a:extLst>
+          </a:blip>
+          <a:stretch>
+            <a:fillRect/>
+          </a:stretch>
+        </p:blipFill>
+        <p:spPr>
+          <a:xfrm>
+            <a:off x="4950411" y="1785695"/>
+            <a:ext cx="1441857" cy="807441"/>
+          </a:xfrm>
+          <a:prstGeom prst="rect">
+            <a:avLst/>
+          </a:prstGeom>
+        </p:spPr>
+      </p:pic>
+      <p:pic>
+        <p:nvPicPr>
+          <p:cNvPr id="4" name="图片 3" descr="徽标, 公司名称&#10;&#10;描述已自动生成">
+            <a:extLst>
+              <a:ext uri="{FF2B5EF4-FFF2-40B4-BE49-F238E27FC236}">
+                <a16:creationId xmlns:a16="http://schemas.microsoft.com/office/drawing/2014/main" id="{F4C7E979-E7A7-6554-333A-DF32C8A30D2D}"/>
+              </a:ext>
+            </a:extLst>
+          </p:cNvPr>
+          <p:cNvPicPr>
+            <a:picLocks noChangeAspect="1"/>
+          </p:cNvPicPr>
+          <p:nvPr/>
+        </p:nvPicPr>
+        <p:blipFill>
+          <a:blip r:embed="rId7">
+            <a:extLst>
+              <a:ext uri="{28A0092B-C50C-407E-A947-70E740481C1C}">
+                <a14:useLocalDpi xmlns:a14="http://schemas.microsoft.com/office/drawing/2010/main" val="0"/>
+              </a:ext>
+            </a:extLst>
+          </a:blip>
+          <a:stretch>
+            <a:fillRect/>
+          </a:stretch>
+        </p:blipFill>
+        <p:spPr>
+          <a:xfrm>
+            <a:off x="9203129" y="1640998"/>
+            <a:ext cx="2383111" cy="1109942"/>
+          </a:xfrm>
+          <a:prstGeom prst="rect">
+            <a:avLst/>
+          </a:prstGeom>
         </p:spPr>
       </p:pic>
     </p:spTree>
